--- a/Data AI Workshop.pptx
+++ b/Data AI Workshop.pptx
@@ -262,7 +262,7 @@
           <a:p>
             <a:fld id="{CDE24D26-2314-48C4-AA7D-0338DB6F4F2C}" type="datetimeFigureOut">
               <a:rPr lang="de-DE" smtClean="0"/>
-              <a:t>29.08.2022</a:t>
+              <a:t>30.08.2022</a:t>
             </a:fld>
             <a:endParaRPr lang="de-DE"/>
           </a:p>
@@ -460,7 +460,7 @@
           <a:p>
             <a:fld id="{CDE24D26-2314-48C4-AA7D-0338DB6F4F2C}" type="datetimeFigureOut">
               <a:rPr lang="de-DE" smtClean="0"/>
-              <a:t>29.08.2022</a:t>
+              <a:t>30.08.2022</a:t>
             </a:fld>
             <a:endParaRPr lang="de-DE"/>
           </a:p>
@@ -668,7 +668,7 @@
           <a:p>
             <a:fld id="{CDE24D26-2314-48C4-AA7D-0338DB6F4F2C}" type="datetimeFigureOut">
               <a:rPr lang="de-DE" smtClean="0"/>
-              <a:t>29.08.2022</a:t>
+              <a:t>30.08.2022</a:t>
             </a:fld>
             <a:endParaRPr lang="de-DE"/>
           </a:p>
@@ -866,7 +866,7 @@
           <a:p>
             <a:fld id="{CDE24D26-2314-48C4-AA7D-0338DB6F4F2C}" type="datetimeFigureOut">
               <a:rPr lang="de-DE" smtClean="0"/>
-              <a:t>29.08.2022</a:t>
+              <a:t>30.08.2022</a:t>
             </a:fld>
             <a:endParaRPr lang="de-DE"/>
           </a:p>
@@ -1141,7 +1141,7 @@
           <a:p>
             <a:fld id="{CDE24D26-2314-48C4-AA7D-0338DB6F4F2C}" type="datetimeFigureOut">
               <a:rPr lang="de-DE" smtClean="0"/>
-              <a:t>29.08.2022</a:t>
+              <a:t>30.08.2022</a:t>
             </a:fld>
             <a:endParaRPr lang="de-DE"/>
           </a:p>
@@ -1406,7 +1406,7 @@
           <a:p>
             <a:fld id="{CDE24D26-2314-48C4-AA7D-0338DB6F4F2C}" type="datetimeFigureOut">
               <a:rPr lang="de-DE" smtClean="0"/>
-              <a:t>29.08.2022</a:t>
+              <a:t>30.08.2022</a:t>
             </a:fld>
             <a:endParaRPr lang="de-DE"/>
           </a:p>
@@ -1818,7 +1818,7 @@
           <a:p>
             <a:fld id="{CDE24D26-2314-48C4-AA7D-0338DB6F4F2C}" type="datetimeFigureOut">
               <a:rPr lang="de-DE" smtClean="0"/>
-              <a:t>29.08.2022</a:t>
+              <a:t>30.08.2022</a:t>
             </a:fld>
             <a:endParaRPr lang="de-DE"/>
           </a:p>
@@ -1959,7 +1959,7 @@
           <a:p>
             <a:fld id="{CDE24D26-2314-48C4-AA7D-0338DB6F4F2C}" type="datetimeFigureOut">
               <a:rPr lang="de-DE" smtClean="0"/>
-              <a:t>29.08.2022</a:t>
+              <a:t>30.08.2022</a:t>
             </a:fld>
             <a:endParaRPr lang="de-DE"/>
           </a:p>
@@ -2072,7 +2072,7 @@
           <a:p>
             <a:fld id="{CDE24D26-2314-48C4-AA7D-0338DB6F4F2C}" type="datetimeFigureOut">
               <a:rPr lang="de-DE" smtClean="0"/>
-              <a:t>29.08.2022</a:t>
+              <a:t>30.08.2022</a:t>
             </a:fld>
             <a:endParaRPr lang="de-DE"/>
           </a:p>
@@ -2383,7 +2383,7 @@
           <a:p>
             <a:fld id="{CDE24D26-2314-48C4-AA7D-0338DB6F4F2C}" type="datetimeFigureOut">
               <a:rPr lang="de-DE" smtClean="0"/>
-              <a:t>29.08.2022</a:t>
+              <a:t>30.08.2022</a:t>
             </a:fld>
             <a:endParaRPr lang="de-DE"/>
           </a:p>
@@ -2671,7 +2671,7 @@
           <a:p>
             <a:fld id="{CDE24D26-2314-48C4-AA7D-0338DB6F4F2C}" type="datetimeFigureOut">
               <a:rPr lang="de-DE" smtClean="0"/>
-              <a:t>29.08.2022</a:t>
+              <a:t>30.08.2022</a:t>
             </a:fld>
             <a:endParaRPr lang="de-DE"/>
           </a:p>
@@ -2912,7 +2912,7 @@
           <a:p>
             <a:fld id="{CDE24D26-2314-48C4-AA7D-0338DB6F4F2C}" type="datetimeFigureOut">
               <a:rPr lang="de-DE" smtClean="0"/>
-              <a:t>29.08.2022</a:t>
+              <a:t>30.08.2022</a:t>
             </a:fld>
             <a:endParaRPr lang="de-DE"/>
           </a:p>
@@ -3522,6 +3522,58 @@
       </p:grpSpPr>
       <p:sp>
         <p:nvSpPr>
+          <p:cNvPr id="3" name="Rechteck 2">
+            <a:extLst>
+              <a:ext uri="{FF2B5EF4-FFF2-40B4-BE49-F238E27FC236}">
+                <a16:creationId xmlns:a16="http://schemas.microsoft.com/office/drawing/2014/main" id="{11A9D877-2039-8B9F-838B-BAFE2EFA73AE}"/>
+              </a:ext>
+            </a:extLst>
+          </p:cNvPr>
+          <p:cNvSpPr/>
+          <p:nvPr/>
+        </p:nvSpPr>
+        <p:spPr>
+          <a:xfrm>
+            <a:off x="410095" y="38793"/>
+            <a:ext cx="13422283" cy="7115694"/>
+          </a:xfrm>
+          <a:prstGeom prst="rect">
+            <a:avLst/>
+          </a:prstGeom>
+          <a:solidFill>
+            <a:schemeClr val="bg1"/>
+          </a:solidFill>
+          <a:ln>
+            <a:noFill/>
+          </a:ln>
+        </p:spPr>
+        <p:style>
+          <a:lnRef idx="2">
+            <a:schemeClr val="accent1">
+              <a:shade val="50000"/>
+            </a:schemeClr>
+          </a:lnRef>
+          <a:fillRef idx="1">
+            <a:schemeClr val="accent1"/>
+          </a:fillRef>
+          <a:effectRef idx="0">
+            <a:schemeClr val="accent1"/>
+          </a:effectRef>
+          <a:fontRef idx="minor">
+            <a:schemeClr val="lt1"/>
+          </a:fontRef>
+        </p:style>
+        <p:txBody>
+          <a:bodyPr rtlCol="0" anchor="ctr"/>
+          <a:lstStyle/>
+          <a:p>
+            <a:pPr algn="ctr"/>
+            <a:endParaRPr lang="de-DE"/>
+          </a:p>
+        </p:txBody>
+      </p:sp>
+      <p:sp>
+        <p:nvSpPr>
           <p:cNvPr id="11" name="Rechteck 10">
             <a:extLst>
               <a:ext uri="{FF2B5EF4-FFF2-40B4-BE49-F238E27FC236}">
